--- a/images.pptx
+++ b/images.pptx
@@ -13,6 +13,8 @@
     <p:sldId id="261" r:id="rId7"/>
     <p:sldId id="262" r:id="rId8"/>
     <p:sldId id="263" r:id="rId9"/>
+    <p:sldId id="264" r:id="rId10"/>
+    <p:sldId id="265" r:id="rId11"/>
   </p:sldIdLst>
   <p:sldSz cx="12192000" cy="6858000"/>
   <p:notesSz cx="6858000" cy="9144000"/>
@@ -266,7 +268,7 @@
           <a:p>
             <a:fld id="{12D88ABA-513B-49FC-9C36-DC8548140F6B}" type="datetimeFigureOut">
               <a:rPr lang="fr-FR" smtClean="0"/>
-              <a:t>16/03/2020</a:t>
+              <a:t>09/04/2020</a:t>
             </a:fld>
             <a:endParaRPr lang="fr-FR"/>
           </a:p>
@@ -464,7 +466,7 @@
           <a:p>
             <a:fld id="{12D88ABA-513B-49FC-9C36-DC8548140F6B}" type="datetimeFigureOut">
               <a:rPr lang="fr-FR" smtClean="0"/>
-              <a:t>16/03/2020</a:t>
+              <a:t>09/04/2020</a:t>
             </a:fld>
             <a:endParaRPr lang="fr-FR"/>
           </a:p>
@@ -672,7 +674,7 @@
           <a:p>
             <a:fld id="{12D88ABA-513B-49FC-9C36-DC8548140F6B}" type="datetimeFigureOut">
               <a:rPr lang="fr-FR" smtClean="0"/>
-              <a:t>16/03/2020</a:t>
+              <a:t>09/04/2020</a:t>
             </a:fld>
             <a:endParaRPr lang="fr-FR"/>
           </a:p>
@@ -870,7 +872,7 @@
           <a:p>
             <a:fld id="{12D88ABA-513B-49FC-9C36-DC8548140F6B}" type="datetimeFigureOut">
               <a:rPr lang="fr-FR" smtClean="0"/>
-              <a:t>16/03/2020</a:t>
+              <a:t>09/04/2020</a:t>
             </a:fld>
             <a:endParaRPr lang="fr-FR"/>
           </a:p>
@@ -1145,7 +1147,7 @@
           <a:p>
             <a:fld id="{12D88ABA-513B-49FC-9C36-DC8548140F6B}" type="datetimeFigureOut">
               <a:rPr lang="fr-FR" smtClean="0"/>
-              <a:t>16/03/2020</a:t>
+              <a:t>09/04/2020</a:t>
             </a:fld>
             <a:endParaRPr lang="fr-FR"/>
           </a:p>
@@ -1410,7 +1412,7 @@
           <a:p>
             <a:fld id="{12D88ABA-513B-49FC-9C36-DC8548140F6B}" type="datetimeFigureOut">
               <a:rPr lang="fr-FR" smtClean="0"/>
-              <a:t>16/03/2020</a:t>
+              <a:t>09/04/2020</a:t>
             </a:fld>
             <a:endParaRPr lang="fr-FR"/>
           </a:p>
@@ -1822,7 +1824,7 @@
           <a:p>
             <a:fld id="{12D88ABA-513B-49FC-9C36-DC8548140F6B}" type="datetimeFigureOut">
               <a:rPr lang="fr-FR" smtClean="0"/>
-              <a:t>16/03/2020</a:t>
+              <a:t>09/04/2020</a:t>
             </a:fld>
             <a:endParaRPr lang="fr-FR"/>
           </a:p>
@@ -1963,7 +1965,7 @@
           <a:p>
             <a:fld id="{12D88ABA-513B-49FC-9C36-DC8548140F6B}" type="datetimeFigureOut">
               <a:rPr lang="fr-FR" smtClean="0"/>
-              <a:t>16/03/2020</a:t>
+              <a:t>09/04/2020</a:t>
             </a:fld>
             <a:endParaRPr lang="fr-FR"/>
           </a:p>
@@ -2076,7 +2078,7 @@
           <a:p>
             <a:fld id="{12D88ABA-513B-49FC-9C36-DC8548140F6B}" type="datetimeFigureOut">
               <a:rPr lang="fr-FR" smtClean="0"/>
-              <a:t>16/03/2020</a:t>
+              <a:t>09/04/2020</a:t>
             </a:fld>
             <a:endParaRPr lang="fr-FR"/>
           </a:p>
@@ -2387,7 +2389,7 @@
           <a:p>
             <a:fld id="{12D88ABA-513B-49FC-9C36-DC8548140F6B}" type="datetimeFigureOut">
               <a:rPr lang="fr-FR" smtClean="0"/>
-              <a:t>16/03/2020</a:t>
+              <a:t>09/04/2020</a:t>
             </a:fld>
             <a:endParaRPr lang="fr-FR"/>
           </a:p>
@@ -2675,7 +2677,7 @@
           <a:p>
             <a:fld id="{12D88ABA-513B-49FC-9C36-DC8548140F6B}" type="datetimeFigureOut">
               <a:rPr lang="fr-FR" smtClean="0"/>
-              <a:t>16/03/2020</a:t>
+              <a:t>09/04/2020</a:t>
             </a:fld>
             <a:endParaRPr lang="fr-FR"/>
           </a:p>
@@ -2916,7 +2918,7 @@
           <a:p>
             <a:fld id="{12D88ABA-513B-49FC-9C36-DC8548140F6B}" type="datetimeFigureOut">
               <a:rPr lang="fr-FR" smtClean="0"/>
-              <a:t>16/03/2020</a:t>
+              <a:t>09/04/2020</a:t>
             </a:fld>
             <a:endParaRPr lang="fr-FR"/>
           </a:p>
@@ -3943,6 +3945,990 @@
     <p:extLst>
       <p:ext uri="{BB962C8B-B14F-4D97-AF65-F5344CB8AC3E}">
         <p14:creationId xmlns:p14="http://schemas.microsoft.com/office/powerpoint/2010/main" val="77002903"/>
+      </p:ext>
+    </p:extLst>
+  </p:cSld>
+  <p:clrMapOvr>
+    <a:masterClrMapping/>
+  </p:clrMapOvr>
+</p:sld>
+</file>
+
+<file path=ppt/slides/slide10.xml><?xml version="1.0" encoding="utf-8"?>
+<p:sld xmlns:a="http://schemas.openxmlformats.org/drawingml/2006/main" xmlns:r="http://schemas.openxmlformats.org/officeDocument/2006/relationships" xmlns:p="http://schemas.openxmlformats.org/presentationml/2006/main">
+  <p:cSld>
+    <p:spTree>
+      <p:nvGrpSpPr>
+        <p:cNvPr id="1" name=""/>
+        <p:cNvGrpSpPr/>
+        <p:nvPr/>
+      </p:nvGrpSpPr>
+      <p:grpSpPr>
+        <a:xfrm>
+          <a:off x="0" y="0"/>
+          <a:ext cx="0" cy="0"/>
+          <a:chOff x="0" y="0"/>
+          <a:chExt cx="0" cy="0"/>
+        </a:xfrm>
+      </p:grpSpPr>
+      <p:sp>
+        <p:nvSpPr>
+          <p:cNvPr id="5" name="Rectangle 4">
+            <a:extLst>
+              <a:ext uri="{FF2B5EF4-FFF2-40B4-BE49-F238E27FC236}">
+                <a16:creationId xmlns:a16="http://schemas.microsoft.com/office/drawing/2014/main" id="{3A242B20-0AC8-4563-9F02-ABBA997430E9}"/>
+              </a:ext>
+            </a:extLst>
+          </p:cNvPr>
+          <p:cNvSpPr/>
+          <p:nvPr/>
+        </p:nvSpPr>
+        <p:spPr>
+          <a:xfrm rot="16200000">
+            <a:off x="-1822205" y="3193806"/>
+            <a:ext cx="5314950" cy="492368"/>
+          </a:xfrm>
+          <a:prstGeom prst="rect">
+            <a:avLst/>
+          </a:prstGeom>
+        </p:spPr>
+        <p:style>
+          <a:lnRef idx="1">
+            <a:schemeClr val="accent1"/>
+          </a:lnRef>
+          <a:fillRef idx="2">
+            <a:schemeClr val="accent1"/>
+          </a:fillRef>
+          <a:effectRef idx="1">
+            <a:schemeClr val="accent1"/>
+          </a:effectRef>
+          <a:fontRef idx="minor">
+            <a:schemeClr val="dk1"/>
+          </a:fontRef>
+        </p:style>
+        <p:txBody>
+          <a:bodyPr rtlCol="0" anchor="ctr"/>
+          <a:lstStyle/>
+          <a:p>
+            <a:pPr algn="ctr"/>
+            <a:r>
+              <a:rPr lang="en-US" dirty="0"/>
+              <a:t>Input</a:t>
+            </a:r>
+            <a:endParaRPr lang="fr-FR" dirty="0"/>
+          </a:p>
+        </p:txBody>
+      </p:sp>
+      <p:sp>
+        <p:nvSpPr>
+          <p:cNvPr id="7" name="Rectangle 6">
+            <a:extLst>
+              <a:ext uri="{FF2B5EF4-FFF2-40B4-BE49-F238E27FC236}">
+                <a16:creationId xmlns:a16="http://schemas.microsoft.com/office/drawing/2014/main" id="{6A39130F-1C4A-4506-B7BD-542A6C129538}"/>
+              </a:ext>
+            </a:extLst>
+          </p:cNvPr>
+          <p:cNvSpPr/>
+          <p:nvPr/>
+        </p:nvSpPr>
+        <p:spPr>
+          <a:xfrm rot="16200000">
+            <a:off x="890224" y="3182813"/>
+            <a:ext cx="3160834" cy="492368"/>
+          </a:xfrm>
+          <a:prstGeom prst="rect">
+            <a:avLst/>
+          </a:prstGeom>
+        </p:spPr>
+        <p:style>
+          <a:lnRef idx="1">
+            <a:schemeClr val="accent1"/>
+          </a:lnRef>
+          <a:fillRef idx="2">
+            <a:schemeClr val="accent1"/>
+          </a:fillRef>
+          <a:effectRef idx="1">
+            <a:schemeClr val="accent1"/>
+          </a:effectRef>
+          <a:fontRef idx="minor">
+            <a:schemeClr val="dk1"/>
+          </a:fontRef>
+        </p:style>
+        <p:txBody>
+          <a:bodyPr rtlCol="0" anchor="ctr"/>
+          <a:lstStyle/>
+          <a:p>
+            <a:pPr algn="ctr"/>
+            <a:endParaRPr lang="fr-FR" dirty="0"/>
+          </a:p>
+        </p:txBody>
+      </p:sp>
+      <p:sp>
+        <p:nvSpPr>
+          <p:cNvPr id="8" name="Rectangle 7">
+            <a:extLst>
+              <a:ext uri="{FF2B5EF4-FFF2-40B4-BE49-F238E27FC236}">
+                <a16:creationId xmlns:a16="http://schemas.microsoft.com/office/drawing/2014/main" id="{378A5823-F623-4C37-8F43-D04504A2ED24}"/>
+              </a:ext>
+            </a:extLst>
+          </p:cNvPr>
+          <p:cNvSpPr/>
+          <p:nvPr/>
+        </p:nvSpPr>
+        <p:spPr>
+          <a:xfrm rot="16200000">
+            <a:off x="3429366" y="3182812"/>
+            <a:ext cx="1400174" cy="492368"/>
+          </a:xfrm>
+          <a:prstGeom prst="rect">
+            <a:avLst/>
+          </a:prstGeom>
+        </p:spPr>
+        <p:style>
+          <a:lnRef idx="1">
+            <a:schemeClr val="accent1"/>
+          </a:lnRef>
+          <a:fillRef idx="2">
+            <a:schemeClr val="accent1"/>
+          </a:fillRef>
+          <a:effectRef idx="1">
+            <a:schemeClr val="accent1"/>
+          </a:effectRef>
+          <a:fontRef idx="minor">
+            <a:schemeClr val="dk1"/>
+          </a:fontRef>
+        </p:style>
+        <p:txBody>
+          <a:bodyPr rtlCol="0" anchor="ctr"/>
+          <a:lstStyle/>
+          <a:p>
+            <a:pPr algn="ctr"/>
+            <a:r>
+              <a:rPr lang="en-US" dirty="0"/>
+              <a:t>Latent space</a:t>
+            </a:r>
+            <a:endParaRPr lang="fr-FR" dirty="0"/>
+          </a:p>
+        </p:txBody>
+      </p:sp>
+      <p:sp>
+        <p:nvSpPr>
+          <p:cNvPr id="9" name="Rectangle 8">
+            <a:extLst>
+              <a:ext uri="{FF2B5EF4-FFF2-40B4-BE49-F238E27FC236}">
+                <a16:creationId xmlns:a16="http://schemas.microsoft.com/office/drawing/2014/main" id="{C8892A44-CFEC-472E-B2DD-B0B6D7015709}"/>
+              </a:ext>
+            </a:extLst>
+          </p:cNvPr>
+          <p:cNvSpPr/>
+          <p:nvPr/>
+        </p:nvSpPr>
+        <p:spPr>
+          <a:xfrm rot="16200000">
+            <a:off x="4172684" y="3182813"/>
+            <a:ext cx="3160834" cy="492368"/>
+          </a:xfrm>
+          <a:prstGeom prst="rect">
+            <a:avLst/>
+          </a:prstGeom>
+        </p:spPr>
+        <p:style>
+          <a:lnRef idx="1">
+            <a:schemeClr val="accent1"/>
+          </a:lnRef>
+          <a:fillRef idx="2">
+            <a:schemeClr val="accent1"/>
+          </a:fillRef>
+          <a:effectRef idx="1">
+            <a:schemeClr val="accent1"/>
+          </a:effectRef>
+          <a:fontRef idx="minor">
+            <a:schemeClr val="dk1"/>
+          </a:fontRef>
+        </p:style>
+        <p:txBody>
+          <a:bodyPr rtlCol="0" anchor="ctr"/>
+          <a:lstStyle/>
+          <a:p>
+            <a:pPr algn="ctr"/>
+            <a:endParaRPr lang="fr-FR" dirty="0"/>
+          </a:p>
+        </p:txBody>
+      </p:sp>
+      <p:sp>
+        <p:nvSpPr>
+          <p:cNvPr id="10" name="Rectangle 9">
+            <a:extLst>
+              <a:ext uri="{FF2B5EF4-FFF2-40B4-BE49-F238E27FC236}">
+                <a16:creationId xmlns:a16="http://schemas.microsoft.com/office/drawing/2014/main" id="{30109D6D-2347-48F9-90FF-796BF3AF4CD0}"/>
+              </a:ext>
+            </a:extLst>
+          </p:cNvPr>
+          <p:cNvSpPr/>
+          <p:nvPr/>
+        </p:nvSpPr>
+        <p:spPr>
+          <a:xfrm rot="16200000">
+            <a:off x="4716345" y="3182812"/>
+            <a:ext cx="5314950" cy="492368"/>
+          </a:xfrm>
+          <a:prstGeom prst="rect">
+            <a:avLst/>
+          </a:prstGeom>
+        </p:spPr>
+        <p:style>
+          <a:lnRef idx="1">
+            <a:schemeClr val="accent1"/>
+          </a:lnRef>
+          <a:fillRef idx="2">
+            <a:schemeClr val="accent1"/>
+          </a:fillRef>
+          <a:effectRef idx="1">
+            <a:schemeClr val="accent1"/>
+          </a:effectRef>
+          <a:fontRef idx="minor">
+            <a:schemeClr val="dk1"/>
+          </a:fontRef>
+        </p:style>
+        <p:txBody>
+          <a:bodyPr rtlCol="0" anchor="ctr"/>
+          <a:lstStyle/>
+          <a:p>
+            <a:pPr algn="ctr"/>
+            <a:r>
+              <a:rPr lang="en-US" dirty="0"/>
+              <a:t>Output</a:t>
+            </a:r>
+            <a:endParaRPr lang="fr-FR" dirty="0"/>
+          </a:p>
+        </p:txBody>
+      </p:sp>
+      <p:sp>
+        <p:nvSpPr>
+          <p:cNvPr id="11" name="Rectangle : coins arrondis 10">
+            <a:extLst>
+              <a:ext uri="{FF2B5EF4-FFF2-40B4-BE49-F238E27FC236}">
+                <a16:creationId xmlns:a16="http://schemas.microsoft.com/office/drawing/2014/main" id="{636C2A60-F987-4405-9B82-5E816A6BD8AE}"/>
+              </a:ext>
+            </a:extLst>
+          </p:cNvPr>
+          <p:cNvSpPr/>
+          <p:nvPr/>
+        </p:nvSpPr>
+        <p:spPr>
+          <a:xfrm>
+            <a:off x="381000" y="369275"/>
+            <a:ext cx="4202723" cy="6119446"/>
+          </a:xfrm>
+          <a:prstGeom prst="roundRect">
+            <a:avLst/>
+          </a:prstGeom>
+          <a:noFill/>
+          <a:ln>
+            <a:solidFill>
+              <a:schemeClr val="tx1"/>
+            </a:solidFill>
+          </a:ln>
+        </p:spPr>
+        <p:style>
+          <a:lnRef idx="2">
+            <a:schemeClr val="accent1">
+              <a:shade val="50000"/>
+            </a:schemeClr>
+          </a:lnRef>
+          <a:fillRef idx="1">
+            <a:schemeClr val="accent1"/>
+          </a:fillRef>
+          <a:effectRef idx="0">
+            <a:schemeClr val="accent1"/>
+          </a:effectRef>
+          <a:fontRef idx="minor">
+            <a:schemeClr val="lt1"/>
+          </a:fontRef>
+        </p:style>
+        <p:txBody>
+          <a:bodyPr rtlCol="0" anchor="ctr"/>
+          <a:lstStyle/>
+          <a:p>
+            <a:pPr algn="ctr"/>
+            <a:endParaRPr lang="fr-FR"/>
+          </a:p>
+        </p:txBody>
+      </p:sp>
+      <p:sp>
+        <p:nvSpPr>
+          <p:cNvPr id="13" name="Rectangle : coins arrondis 12">
+            <a:extLst>
+              <a:ext uri="{FF2B5EF4-FFF2-40B4-BE49-F238E27FC236}">
+                <a16:creationId xmlns:a16="http://schemas.microsoft.com/office/drawing/2014/main" id="{06601F07-1C11-4BEB-BFA2-F569D078CE2D}"/>
+              </a:ext>
+            </a:extLst>
+          </p:cNvPr>
+          <p:cNvSpPr/>
+          <p:nvPr/>
+        </p:nvSpPr>
+        <p:spPr>
+          <a:xfrm>
+            <a:off x="3651741" y="369275"/>
+            <a:ext cx="4202723" cy="6119446"/>
+          </a:xfrm>
+          <a:prstGeom prst="roundRect">
+            <a:avLst/>
+          </a:prstGeom>
+          <a:noFill/>
+          <a:ln>
+            <a:solidFill>
+              <a:schemeClr val="tx1"/>
+            </a:solidFill>
+          </a:ln>
+        </p:spPr>
+        <p:style>
+          <a:lnRef idx="2">
+            <a:schemeClr val="accent1">
+              <a:shade val="50000"/>
+            </a:schemeClr>
+          </a:lnRef>
+          <a:fillRef idx="1">
+            <a:schemeClr val="accent1"/>
+          </a:fillRef>
+          <a:effectRef idx="0">
+            <a:schemeClr val="accent1"/>
+          </a:effectRef>
+          <a:fontRef idx="minor">
+            <a:schemeClr val="lt1"/>
+          </a:fontRef>
+        </p:style>
+        <p:txBody>
+          <a:bodyPr rtlCol="0" anchor="ctr"/>
+          <a:lstStyle/>
+          <a:p>
+            <a:pPr algn="ctr"/>
+            <a:endParaRPr lang="fr-FR"/>
+          </a:p>
+        </p:txBody>
+      </p:sp>
+      <p:cxnSp>
+        <p:nvCxnSpPr>
+          <p:cNvPr id="15" name="Connecteur droit avec flèche 14">
+            <a:extLst>
+              <a:ext uri="{FF2B5EF4-FFF2-40B4-BE49-F238E27FC236}">
+                <a16:creationId xmlns:a16="http://schemas.microsoft.com/office/drawing/2014/main" id="{9D2A211C-4217-4430-84B6-E37046452095}"/>
+              </a:ext>
+            </a:extLst>
+          </p:cNvPr>
+          <p:cNvCxnSpPr>
+            <a:cxnSpLocks/>
+            <a:stCxn id="5" idx="2"/>
+            <a:endCxn id="7" idx="0"/>
+          </p:cNvCxnSpPr>
+          <p:nvPr/>
+        </p:nvCxnSpPr>
+        <p:spPr>
+          <a:xfrm flipV="1">
+            <a:off x="1081454" y="3428997"/>
+            <a:ext cx="1143003" cy="10993"/>
+          </a:xfrm>
+          <a:prstGeom prst="straightConnector1">
+            <a:avLst/>
+          </a:prstGeom>
+          <a:ln>
+            <a:tailEnd type="triangle"/>
+          </a:ln>
+        </p:spPr>
+        <p:style>
+          <a:lnRef idx="3">
+            <a:schemeClr val="dk1"/>
+          </a:lnRef>
+          <a:fillRef idx="0">
+            <a:schemeClr val="dk1"/>
+          </a:fillRef>
+          <a:effectRef idx="2">
+            <a:schemeClr val="dk1"/>
+          </a:effectRef>
+          <a:fontRef idx="minor">
+            <a:schemeClr val="tx1"/>
+          </a:fontRef>
+        </p:style>
+      </p:cxnSp>
+      <p:cxnSp>
+        <p:nvCxnSpPr>
+          <p:cNvPr id="17" name="Connecteur droit avec flèche 16">
+            <a:extLst>
+              <a:ext uri="{FF2B5EF4-FFF2-40B4-BE49-F238E27FC236}">
+                <a16:creationId xmlns:a16="http://schemas.microsoft.com/office/drawing/2014/main" id="{21E3733D-0B72-4143-A5D5-BE0FA1F5AA6A}"/>
+              </a:ext>
+            </a:extLst>
+          </p:cNvPr>
+          <p:cNvCxnSpPr>
+            <a:cxnSpLocks/>
+            <a:stCxn id="7" idx="2"/>
+            <a:endCxn id="8" idx="0"/>
+          </p:cNvCxnSpPr>
+          <p:nvPr/>
+        </p:nvCxnSpPr>
+        <p:spPr>
+          <a:xfrm flipV="1">
+            <a:off x="2716825" y="3428996"/>
+            <a:ext cx="1166444" cy="1"/>
+          </a:xfrm>
+          <a:prstGeom prst="straightConnector1">
+            <a:avLst/>
+          </a:prstGeom>
+          <a:ln>
+            <a:tailEnd type="triangle"/>
+          </a:ln>
+        </p:spPr>
+        <p:style>
+          <a:lnRef idx="3">
+            <a:schemeClr val="dk1"/>
+          </a:lnRef>
+          <a:fillRef idx="0">
+            <a:schemeClr val="dk1"/>
+          </a:fillRef>
+          <a:effectRef idx="2">
+            <a:schemeClr val="dk1"/>
+          </a:effectRef>
+          <a:fontRef idx="minor">
+            <a:schemeClr val="tx1"/>
+          </a:fontRef>
+        </p:style>
+      </p:cxnSp>
+      <p:cxnSp>
+        <p:nvCxnSpPr>
+          <p:cNvPr id="20" name="Connecteur droit avec flèche 19">
+            <a:extLst>
+              <a:ext uri="{FF2B5EF4-FFF2-40B4-BE49-F238E27FC236}">
+                <a16:creationId xmlns:a16="http://schemas.microsoft.com/office/drawing/2014/main" id="{6C36A5BC-DB00-481A-8213-DDFFBF2DC593}"/>
+              </a:ext>
+            </a:extLst>
+          </p:cNvPr>
+          <p:cNvCxnSpPr>
+            <a:cxnSpLocks/>
+            <a:stCxn id="8" idx="2"/>
+            <a:endCxn id="9" idx="0"/>
+          </p:cNvCxnSpPr>
+          <p:nvPr/>
+        </p:nvCxnSpPr>
+        <p:spPr>
+          <a:xfrm>
+            <a:off x="4375637" y="3428996"/>
+            <a:ext cx="1131280" cy="1"/>
+          </a:xfrm>
+          <a:prstGeom prst="straightConnector1">
+            <a:avLst/>
+          </a:prstGeom>
+          <a:ln>
+            <a:tailEnd type="triangle"/>
+          </a:ln>
+        </p:spPr>
+        <p:style>
+          <a:lnRef idx="3">
+            <a:schemeClr val="dk1"/>
+          </a:lnRef>
+          <a:fillRef idx="0">
+            <a:schemeClr val="dk1"/>
+          </a:fillRef>
+          <a:effectRef idx="2">
+            <a:schemeClr val="dk1"/>
+          </a:effectRef>
+          <a:fontRef idx="minor">
+            <a:schemeClr val="tx1"/>
+          </a:fontRef>
+        </p:style>
+      </p:cxnSp>
+      <p:cxnSp>
+        <p:nvCxnSpPr>
+          <p:cNvPr id="26" name="Connecteur droit avec flèche 25">
+            <a:extLst>
+              <a:ext uri="{FF2B5EF4-FFF2-40B4-BE49-F238E27FC236}">
+                <a16:creationId xmlns:a16="http://schemas.microsoft.com/office/drawing/2014/main" id="{E6057C2C-5F78-49D1-906F-6D41B680B7AA}"/>
+              </a:ext>
+            </a:extLst>
+          </p:cNvPr>
+          <p:cNvCxnSpPr>
+            <a:cxnSpLocks/>
+            <a:stCxn id="9" idx="2"/>
+            <a:endCxn id="10" idx="0"/>
+          </p:cNvCxnSpPr>
+          <p:nvPr/>
+        </p:nvCxnSpPr>
+        <p:spPr>
+          <a:xfrm flipV="1">
+            <a:off x="5999285" y="3428996"/>
+            <a:ext cx="1128351" cy="1"/>
+          </a:xfrm>
+          <a:prstGeom prst="straightConnector1">
+            <a:avLst/>
+          </a:prstGeom>
+          <a:ln>
+            <a:tailEnd type="triangle"/>
+          </a:ln>
+        </p:spPr>
+        <p:style>
+          <a:lnRef idx="3">
+            <a:schemeClr val="dk1"/>
+          </a:lnRef>
+          <a:fillRef idx="0">
+            <a:schemeClr val="dk1"/>
+          </a:fillRef>
+          <a:effectRef idx="2">
+            <a:schemeClr val="dk1"/>
+          </a:effectRef>
+          <a:fontRef idx="minor">
+            <a:schemeClr val="tx1"/>
+          </a:fontRef>
+        </p:style>
+      </p:cxnSp>
+      <p:sp>
+        <p:nvSpPr>
+          <p:cNvPr id="29" name="ZoneTexte 28">
+            <a:extLst>
+              <a:ext uri="{FF2B5EF4-FFF2-40B4-BE49-F238E27FC236}">
+                <a16:creationId xmlns:a16="http://schemas.microsoft.com/office/drawing/2014/main" id="{AA7AF330-0EA0-4161-BAB5-3D68A3C2CF6C}"/>
+              </a:ext>
+            </a:extLst>
+          </p:cNvPr>
+          <p:cNvSpPr txBox="1"/>
+          <p:nvPr/>
+        </p:nvSpPr>
+        <p:spPr>
+          <a:xfrm>
+            <a:off x="5264185" y="5985278"/>
+            <a:ext cx="977832" cy="369332"/>
+          </a:xfrm>
+          <a:prstGeom prst="rect">
+            <a:avLst/>
+          </a:prstGeom>
+          <a:noFill/>
+        </p:spPr>
+        <p:txBody>
+          <a:bodyPr wrap="none" rtlCol="0">
+            <a:spAutoFit/>
+          </a:bodyPr>
+          <a:lstStyle/>
+          <a:p>
+            <a:r>
+              <a:rPr lang="en-US" dirty="0"/>
+              <a:t>Decoder</a:t>
+            </a:r>
+            <a:endParaRPr lang="fr-FR" dirty="0"/>
+          </a:p>
+        </p:txBody>
+      </p:sp>
+      <p:sp>
+        <p:nvSpPr>
+          <p:cNvPr id="30" name="ZoneTexte 29">
+            <a:extLst>
+              <a:ext uri="{FF2B5EF4-FFF2-40B4-BE49-F238E27FC236}">
+                <a16:creationId xmlns:a16="http://schemas.microsoft.com/office/drawing/2014/main" id="{A638473C-24FA-4EC6-99DD-1A701791C1A1}"/>
+              </a:ext>
+            </a:extLst>
+          </p:cNvPr>
+          <p:cNvSpPr txBox="1"/>
+          <p:nvPr/>
+        </p:nvSpPr>
+        <p:spPr>
+          <a:xfrm>
+            <a:off x="1993747" y="5985278"/>
+            <a:ext cx="953787" cy="369332"/>
+          </a:xfrm>
+          <a:prstGeom prst="rect">
+            <a:avLst/>
+          </a:prstGeom>
+          <a:noFill/>
+        </p:spPr>
+        <p:txBody>
+          <a:bodyPr wrap="none" rtlCol="0">
+            <a:spAutoFit/>
+          </a:bodyPr>
+          <a:lstStyle/>
+          <a:p>
+            <a:r>
+              <a:rPr lang="en-US" dirty="0"/>
+              <a:t>Encoder</a:t>
+            </a:r>
+            <a:endParaRPr lang="fr-FR" dirty="0"/>
+          </a:p>
+        </p:txBody>
+      </p:sp>
+      <p:cxnSp>
+        <p:nvCxnSpPr>
+          <p:cNvPr id="32" name="Connecteur droit 31">
+            <a:extLst>
+              <a:ext uri="{FF2B5EF4-FFF2-40B4-BE49-F238E27FC236}">
+                <a16:creationId xmlns:a16="http://schemas.microsoft.com/office/drawing/2014/main" id="{920BDCE4-9AFA-444F-941A-AA10EF5E6BC8}"/>
+              </a:ext>
+            </a:extLst>
+          </p:cNvPr>
+          <p:cNvCxnSpPr/>
+          <p:nvPr/>
+        </p:nvCxnSpPr>
+        <p:spPr>
+          <a:xfrm>
+            <a:off x="1081454" y="782515"/>
+            <a:ext cx="1143002" cy="1066064"/>
+          </a:xfrm>
+          <a:prstGeom prst="line">
+            <a:avLst/>
+          </a:prstGeom>
+          <a:ln w="9525" cap="flat" cmpd="sng" algn="ctr">
+            <a:solidFill>
+              <a:schemeClr val="dk1"/>
+            </a:solidFill>
+            <a:prstDash val="dash"/>
+            <a:round/>
+            <a:headEnd type="none" w="med" len="med"/>
+            <a:tailEnd type="none" w="med" len="med"/>
+          </a:ln>
+        </p:spPr>
+        <p:style>
+          <a:lnRef idx="0">
+            <a:scrgbClr r="0" g="0" b="0"/>
+          </a:lnRef>
+          <a:fillRef idx="0">
+            <a:scrgbClr r="0" g="0" b="0"/>
+          </a:fillRef>
+          <a:effectRef idx="0">
+            <a:scrgbClr r="0" g="0" b="0"/>
+          </a:effectRef>
+          <a:fontRef idx="minor">
+            <a:schemeClr val="tx1"/>
+          </a:fontRef>
+        </p:style>
+      </p:cxnSp>
+      <p:cxnSp>
+        <p:nvCxnSpPr>
+          <p:cNvPr id="33" name="Connecteur droit 32">
+            <a:extLst>
+              <a:ext uri="{FF2B5EF4-FFF2-40B4-BE49-F238E27FC236}">
+                <a16:creationId xmlns:a16="http://schemas.microsoft.com/office/drawing/2014/main" id="{884D2F3E-27E9-406E-85CB-9F3B1F28AF81}"/>
+              </a:ext>
+            </a:extLst>
+          </p:cNvPr>
+          <p:cNvCxnSpPr>
+            <a:cxnSpLocks/>
+          </p:cNvCxnSpPr>
+          <p:nvPr/>
+        </p:nvCxnSpPr>
+        <p:spPr>
+          <a:xfrm flipV="1">
+            <a:off x="1081453" y="5009414"/>
+            <a:ext cx="1128353" cy="1077057"/>
+          </a:xfrm>
+          <a:prstGeom prst="line">
+            <a:avLst/>
+          </a:prstGeom>
+          <a:ln w="9525" cap="flat" cmpd="sng" algn="ctr">
+            <a:solidFill>
+              <a:schemeClr val="dk1"/>
+            </a:solidFill>
+            <a:prstDash val="dash"/>
+            <a:round/>
+            <a:headEnd type="none" w="med" len="med"/>
+            <a:tailEnd type="none" w="med" len="med"/>
+          </a:ln>
+        </p:spPr>
+        <p:style>
+          <a:lnRef idx="0">
+            <a:scrgbClr r="0" g="0" b="0"/>
+          </a:lnRef>
+          <a:fillRef idx="0">
+            <a:scrgbClr r="0" g="0" b="0"/>
+          </a:fillRef>
+          <a:effectRef idx="0">
+            <a:scrgbClr r="0" g="0" b="0"/>
+          </a:effectRef>
+          <a:fontRef idx="minor">
+            <a:schemeClr val="tx1"/>
+          </a:fontRef>
+        </p:style>
+      </p:cxnSp>
+      <p:cxnSp>
+        <p:nvCxnSpPr>
+          <p:cNvPr id="36" name="Connecteur droit 35">
+            <a:extLst>
+              <a:ext uri="{FF2B5EF4-FFF2-40B4-BE49-F238E27FC236}">
+                <a16:creationId xmlns:a16="http://schemas.microsoft.com/office/drawing/2014/main" id="{FFFBE6B9-48C7-4153-92CF-8C98B2AC6F18}"/>
+              </a:ext>
+            </a:extLst>
+          </p:cNvPr>
+          <p:cNvCxnSpPr>
+            <a:cxnSpLocks/>
+          </p:cNvCxnSpPr>
+          <p:nvPr/>
+        </p:nvCxnSpPr>
+        <p:spPr>
+          <a:xfrm flipV="1">
+            <a:off x="2716825" y="4129084"/>
+            <a:ext cx="1165624" cy="880330"/>
+          </a:xfrm>
+          <a:prstGeom prst="line">
+            <a:avLst/>
+          </a:prstGeom>
+          <a:ln w="9525" cap="flat" cmpd="sng" algn="ctr">
+            <a:solidFill>
+              <a:schemeClr val="dk1"/>
+            </a:solidFill>
+            <a:prstDash val="dash"/>
+            <a:round/>
+            <a:headEnd type="none" w="med" len="med"/>
+            <a:tailEnd type="none" w="med" len="med"/>
+          </a:ln>
+        </p:spPr>
+        <p:style>
+          <a:lnRef idx="0">
+            <a:scrgbClr r="0" g="0" b="0"/>
+          </a:lnRef>
+          <a:fillRef idx="0">
+            <a:scrgbClr r="0" g="0" b="0"/>
+          </a:fillRef>
+          <a:effectRef idx="0">
+            <a:scrgbClr r="0" g="0" b="0"/>
+          </a:effectRef>
+          <a:fontRef idx="minor">
+            <a:schemeClr val="tx1"/>
+          </a:fontRef>
+        </p:style>
+      </p:cxnSp>
+      <p:cxnSp>
+        <p:nvCxnSpPr>
+          <p:cNvPr id="39" name="Connecteur droit 38">
+            <a:extLst>
+              <a:ext uri="{FF2B5EF4-FFF2-40B4-BE49-F238E27FC236}">
+                <a16:creationId xmlns:a16="http://schemas.microsoft.com/office/drawing/2014/main" id="{022B82EF-D7C0-44BF-B787-3CF86D0DAB49}"/>
+              </a:ext>
+            </a:extLst>
+          </p:cNvPr>
+          <p:cNvCxnSpPr>
+            <a:cxnSpLocks/>
+          </p:cNvCxnSpPr>
+          <p:nvPr/>
+        </p:nvCxnSpPr>
+        <p:spPr>
+          <a:xfrm>
+            <a:off x="2731476" y="1848579"/>
+            <a:ext cx="1150973" cy="880329"/>
+          </a:xfrm>
+          <a:prstGeom prst="line">
+            <a:avLst/>
+          </a:prstGeom>
+          <a:ln w="9525" cap="flat" cmpd="sng" algn="ctr">
+            <a:solidFill>
+              <a:schemeClr val="dk1"/>
+            </a:solidFill>
+            <a:prstDash val="dash"/>
+            <a:round/>
+            <a:headEnd type="none" w="med" len="med"/>
+            <a:tailEnd type="none" w="med" len="med"/>
+          </a:ln>
+        </p:spPr>
+        <p:style>
+          <a:lnRef idx="0">
+            <a:scrgbClr r="0" g="0" b="0"/>
+          </a:lnRef>
+          <a:fillRef idx="0">
+            <a:scrgbClr r="0" g="0" b="0"/>
+          </a:fillRef>
+          <a:effectRef idx="0">
+            <a:scrgbClr r="0" g="0" b="0"/>
+          </a:effectRef>
+          <a:fontRef idx="minor">
+            <a:schemeClr val="tx1"/>
+          </a:fontRef>
+        </p:style>
+      </p:cxnSp>
+      <p:cxnSp>
+        <p:nvCxnSpPr>
+          <p:cNvPr id="42" name="Connecteur droit 41">
+            <a:extLst>
+              <a:ext uri="{FF2B5EF4-FFF2-40B4-BE49-F238E27FC236}">
+                <a16:creationId xmlns:a16="http://schemas.microsoft.com/office/drawing/2014/main" id="{E8BE6791-B325-4132-8852-27C8AAB1676A}"/>
+              </a:ext>
+            </a:extLst>
+          </p:cNvPr>
+          <p:cNvCxnSpPr>
+            <a:cxnSpLocks/>
+          </p:cNvCxnSpPr>
+          <p:nvPr/>
+        </p:nvCxnSpPr>
+        <p:spPr>
+          <a:xfrm flipH="1">
+            <a:off x="4413329" y="1848578"/>
+            <a:ext cx="1090660" cy="880329"/>
+          </a:xfrm>
+          <a:prstGeom prst="line">
+            <a:avLst/>
+          </a:prstGeom>
+          <a:ln w="9525" cap="flat" cmpd="sng" algn="ctr">
+            <a:solidFill>
+              <a:schemeClr val="dk1"/>
+            </a:solidFill>
+            <a:prstDash val="dash"/>
+            <a:round/>
+            <a:headEnd type="none" w="med" len="med"/>
+            <a:tailEnd type="none" w="med" len="med"/>
+          </a:ln>
+        </p:spPr>
+        <p:style>
+          <a:lnRef idx="0">
+            <a:scrgbClr r="0" g="0" b="0"/>
+          </a:lnRef>
+          <a:fillRef idx="0">
+            <a:scrgbClr r="0" g="0" b="0"/>
+          </a:fillRef>
+          <a:effectRef idx="0">
+            <a:scrgbClr r="0" g="0" b="0"/>
+          </a:effectRef>
+          <a:fontRef idx="minor">
+            <a:schemeClr val="tx1"/>
+          </a:fontRef>
+        </p:style>
+      </p:cxnSp>
+      <p:cxnSp>
+        <p:nvCxnSpPr>
+          <p:cNvPr id="45" name="Connecteur droit 44">
+            <a:extLst>
+              <a:ext uri="{FF2B5EF4-FFF2-40B4-BE49-F238E27FC236}">
+                <a16:creationId xmlns:a16="http://schemas.microsoft.com/office/drawing/2014/main" id="{5B9D7AE1-5D3E-4EBA-B4EF-B1FC7C591E38}"/>
+              </a:ext>
+            </a:extLst>
+          </p:cNvPr>
+          <p:cNvCxnSpPr>
+            <a:cxnSpLocks/>
+          </p:cNvCxnSpPr>
+          <p:nvPr/>
+        </p:nvCxnSpPr>
+        <p:spPr>
+          <a:xfrm flipH="1">
+            <a:off x="6011008" y="782515"/>
+            <a:ext cx="1116629" cy="1066063"/>
+          </a:xfrm>
+          <a:prstGeom prst="line">
+            <a:avLst/>
+          </a:prstGeom>
+          <a:ln w="9525" cap="flat" cmpd="sng" algn="ctr">
+            <a:solidFill>
+              <a:schemeClr val="dk1"/>
+            </a:solidFill>
+            <a:prstDash val="dash"/>
+            <a:round/>
+            <a:headEnd type="none" w="med" len="med"/>
+            <a:tailEnd type="none" w="med" len="med"/>
+          </a:ln>
+        </p:spPr>
+        <p:style>
+          <a:lnRef idx="0">
+            <a:scrgbClr r="0" g="0" b="0"/>
+          </a:lnRef>
+          <a:fillRef idx="0">
+            <a:scrgbClr r="0" g="0" b="0"/>
+          </a:fillRef>
+          <a:effectRef idx="0">
+            <a:scrgbClr r="0" g="0" b="0"/>
+          </a:effectRef>
+          <a:fontRef idx="minor">
+            <a:schemeClr val="tx1"/>
+          </a:fontRef>
+        </p:style>
+      </p:cxnSp>
+      <p:cxnSp>
+        <p:nvCxnSpPr>
+          <p:cNvPr id="48" name="Connecteur droit 47">
+            <a:extLst>
+              <a:ext uri="{FF2B5EF4-FFF2-40B4-BE49-F238E27FC236}">
+                <a16:creationId xmlns:a16="http://schemas.microsoft.com/office/drawing/2014/main" id="{ADB7A31F-93B2-4878-A723-06D6987B9D0F}"/>
+              </a:ext>
+            </a:extLst>
+          </p:cNvPr>
+          <p:cNvCxnSpPr>
+            <a:cxnSpLocks/>
+          </p:cNvCxnSpPr>
+          <p:nvPr/>
+        </p:nvCxnSpPr>
+        <p:spPr>
+          <a:xfrm flipH="1" flipV="1">
+            <a:off x="4410402" y="4121717"/>
+            <a:ext cx="1093586" cy="887697"/>
+          </a:xfrm>
+          <a:prstGeom prst="line">
+            <a:avLst/>
+          </a:prstGeom>
+          <a:ln w="9525" cap="flat" cmpd="sng" algn="ctr">
+            <a:solidFill>
+              <a:schemeClr val="dk1"/>
+            </a:solidFill>
+            <a:prstDash val="dash"/>
+            <a:round/>
+            <a:headEnd type="none" w="med" len="med"/>
+            <a:tailEnd type="none" w="med" len="med"/>
+          </a:ln>
+        </p:spPr>
+        <p:style>
+          <a:lnRef idx="0">
+            <a:scrgbClr r="0" g="0" b="0"/>
+          </a:lnRef>
+          <a:fillRef idx="0">
+            <a:scrgbClr r="0" g="0" b="0"/>
+          </a:fillRef>
+          <a:effectRef idx="0">
+            <a:scrgbClr r="0" g="0" b="0"/>
+          </a:effectRef>
+          <a:fontRef idx="minor">
+            <a:schemeClr val="tx1"/>
+          </a:fontRef>
+        </p:style>
+      </p:cxnSp>
+      <p:cxnSp>
+        <p:nvCxnSpPr>
+          <p:cNvPr id="52" name="Connecteur droit 51">
+            <a:extLst>
+              <a:ext uri="{FF2B5EF4-FFF2-40B4-BE49-F238E27FC236}">
+                <a16:creationId xmlns:a16="http://schemas.microsoft.com/office/drawing/2014/main" id="{D5DE58B4-A6CD-4B74-8424-411496024EBE}"/>
+              </a:ext>
+            </a:extLst>
+          </p:cNvPr>
+          <p:cNvCxnSpPr>
+            <a:cxnSpLocks/>
+          </p:cNvCxnSpPr>
+          <p:nvPr/>
+        </p:nvCxnSpPr>
+        <p:spPr>
+          <a:xfrm flipH="1" flipV="1">
+            <a:off x="5999286" y="5009414"/>
+            <a:ext cx="1128349" cy="1066071"/>
+          </a:xfrm>
+          <a:prstGeom prst="line">
+            <a:avLst/>
+          </a:prstGeom>
+          <a:ln w="9525" cap="flat" cmpd="sng" algn="ctr">
+            <a:solidFill>
+              <a:schemeClr val="dk1"/>
+            </a:solidFill>
+            <a:prstDash val="dash"/>
+            <a:round/>
+            <a:headEnd type="none" w="med" len="med"/>
+            <a:tailEnd type="none" w="med" len="med"/>
+          </a:ln>
+        </p:spPr>
+        <p:style>
+          <a:lnRef idx="0">
+            <a:scrgbClr r="0" g="0" b="0"/>
+          </a:lnRef>
+          <a:fillRef idx="0">
+            <a:scrgbClr r="0" g="0" b="0"/>
+          </a:fillRef>
+          <a:effectRef idx="0">
+            <a:scrgbClr r="0" g="0" b="0"/>
+          </a:effectRef>
+          <a:fontRef idx="minor">
+            <a:schemeClr val="tx1"/>
+          </a:fontRef>
+        </p:style>
+      </p:cxnSp>
+    </p:spTree>
+    <p:extLst>
+      <p:ext uri="{BB962C8B-B14F-4D97-AF65-F5344CB8AC3E}">
+        <p14:creationId xmlns:p14="http://schemas.microsoft.com/office/powerpoint/2010/main" val="1670155396"/>
       </p:ext>
     </p:extLst>
   </p:cSld>
@@ -14656,6 +15642,1040 @@
 </p:sld>
 </file>
 
+<file path=ppt/slides/slide9.xml><?xml version="1.0" encoding="utf-8"?>
+<p:sld xmlns:a="http://schemas.openxmlformats.org/drawingml/2006/main" xmlns:r="http://schemas.openxmlformats.org/officeDocument/2006/relationships" xmlns:p="http://schemas.openxmlformats.org/presentationml/2006/main">
+  <p:cSld>
+    <p:spTree>
+      <p:nvGrpSpPr>
+        <p:cNvPr id="1" name=""/>
+        <p:cNvGrpSpPr/>
+        <p:nvPr/>
+      </p:nvGrpSpPr>
+      <p:grpSpPr>
+        <a:xfrm>
+          <a:off x="0" y="0"/>
+          <a:ext cx="0" cy="0"/>
+          <a:chOff x="0" y="0"/>
+          <a:chExt cx="0" cy="0"/>
+        </a:xfrm>
+      </p:grpSpPr>
+      <p:sp>
+        <p:nvSpPr>
+          <p:cNvPr id="5" name="Rectangle 4">
+            <a:extLst>
+              <a:ext uri="{FF2B5EF4-FFF2-40B4-BE49-F238E27FC236}">
+                <a16:creationId xmlns:a16="http://schemas.microsoft.com/office/drawing/2014/main" id="{6359448A-70A2-4E9F-BEDB-BC8472285EB6}"/>
+              </a:ext>
+            </a:extLst>
+          </p:cNvPr>
+          <p:cNvSpPr/>
+          <p:nvPr/>
+        </p:nvSpPr>
+        <p:spPr>
+          <a:xfrm>
+            <a:off x="1011116" y="263769"/>
+            <a:ext cx="1441939" cy="1441939"/>
+          </a:xfrm>
+          <a:prstGeom prst="rect">
+            <a:avLst/>
+          </a:prstGeom>
+        </p:spPr>
+        <p:style>
+          <a:lnRef idx="1">
+            <a:schemeClr val="accent1"/>
+          </a:lnRef>
+          <a:fillRef idx="2">
+            <a:schemeClr val="accent1"/>
+          </a:fillRef>
+          <a:effectRef idx="1">
+            <a:schemeClr val="accent1"/>
+          </a:effectRef>
+          <a:fontRef idx="minor">
+            <a:schemeClr val="dk1"/>
+          </a:fontRef>
+        </p:style>
+        <p:txBody>
+          <a:bodyPr rtlCol="0" anchor="ctr"/>
+          <a:lstStyle/>
+          <a:p>
+            <a:pPr algn="ctr"/>
+            <a:r>
+              <a:rPr lang="en-US" sz="4400" dirty="0"/>
+              <a:t>1</a:t>
+            </a:r>
+            <a:endParaRPr lang="fr-FR" sz="4400" dirty="0"/>
+          </a:p>
+        </p:txBody>
+      </p:sp>
+      <p:sp>
+        <p:nvSpPr>
+          <p:cNvPr id="6" name="Rectangle 5">
+            <a:extLst>
+              <a:ext uri="{FF2B5EF4-FFF2-40B4-BE49-F238E27FC236}">
+                <a16:creationId xmlns:a16="http://schemas.microsoft.com/office/drawing/2014/main" id="{22AB7373-8A28-418C-9A50-D52B24EF34B2}"/>
+              </a:ext>
+            </a:extLst>
+          </p:cNvPr>
+          <p:cNvSpPr/>
+          <p:nvPr/>
+        </p:nvSpPr>
+        <p:spPr>
+          <a:xfrm>
+            <a:off x="2453055" y="263769"/>
+            <a:ext cx="1441939" cy="1441939"/>
+          </a:xfrm>
+          <a:prstGeom prst="rect">
+            <a:avLst/>
+          </a:prstGeom>
+        </p:spPr>
+        <p:style>
+          <a:lnRef idx="1">
+            <a:schemeClr val="accent1"/>
+          </a:lnRef>
+          <a:fillRef idx="2">
+            <a:schemeClr val="accent1"/>
+          </a:fillRef>
+          <a:effectRef idx="1">
+            <a:schemeClr val="accent1"/>
+          </a:effectRef>
+          <a:fontRef idx="minor">
+            <a:schemeClr val="dk1"/>
+          </a:fontRef>
+        </p:style>
+        <p:txBody>
+          <a:bodyPr rtlCol="0" anchor="ctr"/>
+          <a:lstStyle/>
+          <a:p>
+            <a:pPr algn="ctr"/>
+            <a:r>
+              <a:rPr lang="en-US" sz="4400" dirty="0"/>
+              <a:t>0</a:t>
+            </a:r>
+            <a:endParaRPr lang="fr-FR" sz="4400" dirty="0"/>
+          </a:p>
+        </p:txBody>
+      </p:sp>
+      <p:sp>
+        <p:nvSpPr>
+          <p:cNvPr id="7" name="Rectangle 6">
+            <a:extLst>
+              <a:ext uri="{FF2B5EF4-FFF2-40B4-BE49-F238E27FC236}">
+                <a16:creationId xmlns:a16="http://schemas.microsoft.com/office/drawing/2014/main" id="{B3ADC772-0363-48E2-AFF6-BA9E0ADDB5BF}"/>
+              </a:ext>
+            </a:extLst>
+          </p:cNvPr>
+          <p:cNvSpPr/>
+          <p:nvPr/>
+        </p:nvSpPr>
+        <p:spPr>
+          <a:xfrm>
+            <a:off x="1011115" y="1705708"/>
+            <a:ext cx="1441939" cy="1441939"/>
+          </a:xfrm>
+          <a:prstGeom prst="rect">
+            <a:avLst/>
+          </a:prstGeom>
+        </p:spPr>
+        <p:style>
+          <a:lnRef idx="1">
+            <a:schemeClr val="accent1"/>
+          </a:lnRef>
+          <a:fillRef idx="2">
+            <a:schemeClr val="accent1"/>
+          </a:fillRef>
+          <a:effectRef idx="1">
+            <a:schemeClr val="accent1"/>
+          </a:effectRef>
+          <a:fontRef idx="minor">
+            <a:schemeClr val="dk1"/>
+          </a:fontRef>
+        </p:style>
+        <p:txBody>
+          <a:bodyPr rtlCol="0" anchor="ctr"/>
+          <a:lstStyle/>
+          <a:p>
+            <a:pPr algn="ctr"/>
+            <a:r>
+              <a:rPr lang="en-US" sz="4400" dirty="0"/>
+              <a:t>4</a:t>
+            </a:r>
+            <a:endParaRPr lang="fr-FR" sz="4400" dirty="0"/>
+          </a:p>
+        </p:txBody>
+      </p:sp>
+      <p:sp>
+        <p:nvSpPr>
+          <p:cNvPr id="8" name="Rectangle 7">
+            <a:extLst>
+              <a:ext uri="{FF2B5EF4-FFF2-40B4-BE49-F238E27FC236}">
+                <a16:creationId xmlns:a16="http://schemas.microsoft.com/office/drawing/2014/main" id="{3E7C1CD9-47FB-4518-8407-149C0BF34478}"/>
+              </a:ext>
+            </a:extLst>
+          </p:cNvPr>
+          <p:cNvSpPr/>
+          <p:nvPr/>
+        </p:nvSpPr>
+        <p:spPr>
+          <a:xfrm>
+            <a:off x="2453054" y="1705708"/>
+            <a:ext cx="1441939" cy="1441939"/>
+          </a:xfrm>
+          <a:prstGeom prst="rect">
+            <a:avLst/>
+          </a:prstGeom>
+        </p:spPr>
+        <p:style>
+          <a:lnRef idx="1">
+            <a:schemeClr val="accent1"/>
+          </a:lnRef>
+          <a:fillRef idx="2">
+            <a:schemeClr val="accent1"/>
+          </a:fillRef>
+          <a:effectRef idx="1">
+            <a:schemeClr val="accent1"/>
+          </a:effectRef>
+          <a:fontRef idx="minor">
+            <a:schemeClr val="dk1"/>
+          </a:fontRef>
+        </p:style>
+        <p:txBody>
+          <a:bodyPr rtlCol="0" anchor="ctr"/>
+          <a:lstStyle/>
+          <a:p>
+            <a:pPr algn="ctr"/>
+            <a:r>
+              <a:rPr lang="en-US" sz="4400" dirty="0"/>
+              <a:t>6</a:t>
+            </a:r>
+            <a:endParaRPr lang="fr-FR" sz="4400" dirty="0"/>
+          </a:p>
+        </p:txBody>
+      </p:sp>
+      <p:sp>
+        <p:nvSpPr>
+          <p:cNvPr id="12" name="Rectangle 11">
+            <a:extLst>
+              <a:ext uri="{FF2B5EF4-FFF2-40B4-BE49-F238E27FC236}">
+                <a16:creationId xmlns:a16="http://schemas.microsoft.com/office/drawing/2014/main" id="{28034A36-423B-4C6E-8D4B-F33D9160B681}"/>
+              </a:ext>
+            </a:extLst>
+          </p:cNvPr>
+          <p:cNvSpPr/>
+          <p:nvPr/>
+        </p:nvSpPr>
+        <p:spPr>
+          <a:xfrm>
+            <a:off x="3894994" y="263769"/>
+            <a:ext cx="1441939" cy="1441939"/>
+          </a:xfrm>
+          <a:prstGeom prst="rect">
+            <a:avLst/>
+          </a:prstGeom>
+        </p:spPr>
+        <p:style>
+          <a:lnRef idx="1">
+            <a:schemeClr val="accent2"/>
+          </a:lnRef>
+          <a:fillRef idx="2">
+            <a:schemeClr val="accent2"/>
+          </a:fillRef>
+          <a:effectRef idx="1">
+            <a:schemeClr val="accent2"/>
+          </a:effectRef>
+          <a:fontRef idx="minor">
+            <a:schemeClr val="dk1"/>
+          </a:fontRef>
+        </p:style>
+        <p:txBody>
+          <a:bodyPr rtlCol="0" anchor="ctr"/>
+          <a:lstStyle/>
+          <a:p>
+            <a:pPr algn="ctr"/>
+            <a:r>
+              <a:rPr lang="en-US" sz="4400" dirty="0"/>
+              <a:t>2</a:t>
+            </a:r>
+            <a:endParaRPr lang="fr-FR" sz="4400" dirty="0"/>
+          </a:p>
+        </p:txBody>
+      </p:sp>
+      <p:sp>
+        <p:nvSpPr>
+          <p:cNvPr id="13" name="Rectangle 12">
+            <a:extLst>
+              <a:ext uri="{FF2B5EF4-FFF2-40B4-BE49-F238E27FC236}">
+                <a16:creationId xmlns:a16="http://schemas.microsoft.com/office/drawing/2014/main" id="{7FF3EA3E-ABCE-406C-910A-177568A6EC0E}"/>
+              </a:ext>
+            </a:extLst>
+          </p:cNvPr>
+          <p:cNvSpPr/>
+          <p:nvPr/>
+        </p:nvSpPr>
+        <p:spPr>
+          <a:xfrm>
+            <a:off x="5336933" y="263769"/>
+            <a:ext cx="1441939" cy="1441939"/>
+          </a:xfrm>
+          <a:prstGeom prst="rect">
+            <a:avLst/>
+          </a:prstGeom>
+        </p:spPr>
+        <p:style>
+          <a:lnRef idx="1">
+            <a:schemeClr val="accent2"/>
+          </a:lnRef>
+          <a:fillRef idx="2">
+            <a:schemeClr val="accent2"/>
+          </a:fillRef>
+          <a:effectRef idx="1">
+            <a:schemeClr val="accent2"/>
+          </a:effectRef>
+          <a:fontRef idx="minor">
+            <a:schemeClr val="dk1"/>
+          </a:fontRef>
+        </p:style>
+        <p:txBody>
+          <a:bodyPr rtlCol="0" anchor="ctr"/>
+          <a:lstStyle/>
+          <a:p>
+            <a:pPr algn="ctr"/>
+            <a:r>
+              <a:rPr lang="en-US" sz="4400" dirty="0"/>
+              <a:t>3</a:t>
+            </a:r>
+            <a:endParaRPr lang="fr-FR" sz="4400" dirty="0"/>
+          </a:p>
+        </p:txBody>
+      </p:sp>
+      <p:sp>
+        <p:nvSpPr>
+          <p:cNvPr id="14" name="Rectangle 13">
+            <a:extLst>
+              <a:ext uri="{FF2B5EF4-FFF2-40B4-BE49-F238E27FC236}">
+                <a16:creationId xmlns:a16="http://schemas.microsoft.com/office/drawing/2014/main" id="{E144F98E-0374-4E2C-B4C5-4083A1128E7E}"/>
+              </a:ext>
+            </a:extLst>
+          </p:cNvPr>
+          <p:cNvSpPr/>
+          <p:nvPr/>
+        </p:nvSpPr>
+        <p:spPr>
+          <a:xfrm>
+            <a:off x="3894993" y="1705708"/>
+            <a:ext cx="1441939" cy="1441939"/>
+          </a:xfrm>
+          <a:prstGeom prst="rect">
+            <a:avLst/>
+          </a:prstGeom>
+        </p:spPr>
+        <p:style>
+          <a:lnRef idx="1">
+            <a:schemeClr val="accent2"/>
+          </a:lnRef>
+          <a:fillRef idx="2">
+            <a:schemeClr val="accent2"/>
+          </a:fillRef>
+          <a:effectRef idx="1">
+            <a:schemeClr val="accent2"/>
+          </a:effectRef>
+          <a:fontRef idx="minor">
+            <a:schemeClr val="dk1"/>
+          </a:fontRef>
+        </p:style>
+        <p:txBody>
+          <a:bodyPr rtlCol="0" anchor="ctr"/>
+          <a:lstStyle/>
+          <a:p>
+            <a:pPr algn="ctr"/>
+            <a:r>
+              <a:rPr lang="en-US" sz="4400" dirty="0"/>
+              <a:t>6</a:t>
+            </a:r>
+            <a:endParaRPr lang="fr-FR" sz="4400" dirty="0"/>
+          </a:p>
+        </p:txBody>
+      </p:sp>
+      <p:sp>
+        <p:nvSpPr>
+          <p:cNvPr id="15" name="Rectangle 14">
+            <a:extLst>
+              <a:ext uri="{FF2B5EF4-FFF2-40B4-BE49-F238E27FC236}">
+                <a16:creationId xmlns:a16="http://schemas.microsoft.com/office/drawing/2014/main" id="{5B67BF58-5781-4094-A04E-D66D2EFF0488}"/>
+              </a:ext>
+            </a:extLst>
+          </p:cNvPr>
+          <p:cNvSpPr/>
+          <p:nvPr/>
+        </p:nvSpPr>
+        <p:spPr>
+          <a:xfrm>
+            <a:off x="5336932" y="1705708"/>
+            <a:ext cx="1441939" cy="1441939"/>
+          </a:xfrm>
+          <a:prstGeom prst="rect">
+            <a:avLst/>
+          </a:prstGeom>
+        </p:spPr>
+        <p:style>
+          <a:lnRef idx="1">
+            <a:schemeClr val="accent2"/>
+          </a:lnRef>
+          <a:fillRef idx="2">
+            <a:schemeClr val="accent2"/>
+          </a:fillRef>
+          <a:effectRef idx="1">
+            <a:schemeClr val="accent2"/>
+          </a:effectRef>
+          <a:fontRef idx="minor">
+            <a:schemeClr val="dk1"/>
+          </a:fontRef>
+        </p:style>
+        <p:txBody>
+          <a:bodyPr rtlCol="0" anchor="ctr"/>
+          <a:lstStyle/>
+          <a:p>
+            <a:pPr algn="ctr"/>
+            <a:r>
+              <a:rPr lang="en-US" sz="4400" dirty="0"/>
+              <a:t>8</a:t>
+            </a:r>
+            <a:endParaRPr lang="fr-FR" sz="4400" dirty="0"/>
+          </a:p>
+        </p:txBody>
+      </p:sp>
+      <p:sp>
+        <p:nvSpPr>
+          <p:cNvPr id="16" name="Rectangle 15">
+            <a:extLst>
+              <a:ext uri="{FF2B5EF4-FFF2-40B4-BE49-F238E27FC236}">
+                <a16:creationId xmlns:a16="http://schemas.microsoft.com/office/drawing/2014/main" id="{AD5A220B-60D0-4BFE-B38C-81172D169E86}"/>
+              </a:ext>
+            </a:extLst>
+          </p:cNvPr>
+          <p:cNvSpPr/>
+          <p:nvPr/>
+        </p:nvSpPr>
+        <p:spPr>
+          <a:xfrm>
+            <a:off x="1011116" y="3147647"/>
+            <a:ext cx="1441939" cy="1441939"/>
+          </a:xfrm>
+          <a:prstGeom prst="rect">
+            <a:avLst/>
+          </a:prstGeom>
+        </p:spPr>
+        <p:style>
+          <a:lnRef idx="1">
+            <a:schemeClr val="accent3"/>
+          </a:lnRef>
+          <a:fillRef idx="2">
+            <a:schemeClr val="accent3"/>
+          </a:fillRef>
+          <a:effectRef idx="1">
+            <a:schemeClr val="accent3"/>
+          </a:effectRef>
+          <a:fontRef idx="minor">
+            <a:schemeClr val="dk1"/>
+          </a:fontRef>
+        </p:style>
+        <p:txBody>
+          <a:bodyPr rtlCol="0" anchor="ctr"/>
+          <a:lstStyle/>
+          <a:p>
+            <a:pPr algn="ctr"/>
+            <a:r>
+              <a:rPr lang="en-US" sz="4400" dirty="0"/>
+              <a:t>3</a:t>
+            </a:r>
+            <a:endParaRPr lang="fr-FR" sz="4400" dirty="0"/>
+          </a:p>
+        </p:txBody>
+      </p:sp>
+      <p:sp>
+        <p:nvSpPr>
+          <p:cNvPr id="17" name="Rectangle 16">
+            <a:extLst>
+              <a:ext uri="{FF2B5EF4-FFF2-40B4-BE49-F238E27FC236}">
+                <a16:creationId xmlns:a16="http://schemas.microsoft.com/office/drawing/2014/main" id="{88E41FC5-3507-478F-9AA7-46A359543911}"/>
+              </a:ext>
+            </a:extLst>
+          </p:cNvPr>
+          <p:cNvSpPr/>
+          <p:nvPr/>
+        </p:nvSpPr>
+        <p:spPr>
+          <a:xfrm>
+            <a:off x="2453055" y="3147647"/>
+            <a:ext cx="1441939" cy="1441939"/>
+          </a:xfrm>
+          <a:prstGeom prst="rect">
+            <a:avLst/>
+          </a:prstGeom>
+        </p:spPr>
+        <p:style>
+          <a:lnRef idx="1">
+            <a:schemeClr val="accent3"/>
+          </a:lnRef>
+          <a:fillRef idx="2">
+            <a:schemeClr val="accent3"/>
+          </a:fillRef>
+          <a:effectRef idx="1">
+            <a:schemeClr val="accent3"/>
+          </a:effectRef>
+          <a:fontRef idx="minor">
+            <a:schemeClr val="dk1"/>
+          </a:fontRef>
+        </p:style>
+        <p:txBody>
+          <a:bodyPr rtlCol="0" anchor="ctr"/>
+          <a:lstStyle/>
+          <a:p>
+            <a:pPr algn="ctr"/>
+            <a:r>
+              <a:rPr lang="en-US" sz="4400" dirty="0"/>
+              <a:t>1</a:t>
+            </a:r>
+            <a:endParaRPr lang="fr-FR" sz="4400" dirty="0"/>
+          </a:p>
+        </p:txBody>
+      </p:sp>
+      <p:sp>
+        <p:nvSpPr>
+          <p:cNvPr id="18" name="Rectangle 17">
+            <a:extLst>
+              <a:ext uri="{FF2B5EF4-FFF2-40B4-BE49-F238E27FC236}">
+                <a16:creationId xmlns:a16="http://schemas.microsoft.com/office/drawing/2014/main" id="{02F8013E-D797-4E58-817B-E91A00622726}"/>
+              </a:ext>
+            </a:extLst>
+          </p:cNvPr>
+          <p:cNvSpPr/>
+          <p:nvPr/>
+        </p:nvSpPr>
+        <p:spPr>
+          <a:xfrm>
+            <a:off x="1011115" y="4589586"/>
+            <a:ext cx="1441939" cy="1441939"/>
+          </a:xfrm>
+          <a:prstGeom prst="rect">
+            <a:avLst/>
+          </a:prstGeom>
+        </p:spPr>
+        <p:style>
+          <a:lnRef idx="1">
+            <a:schemeClr val="accent3"/>
+          </a:lnRef>
+          <a:fillRef idx="2">
+            <a:schemeClr val="accent3"/>
+          </a:fillRef>
+          <a:effectRef idx="1">
+            <a:schemeClr val="accent3"/>
+          </a:effectRef>
+          <a:fontRef idx="minor">
+            <a:schemeClr val="dk1"/>
+          </a:fontRef>
+        </p:style>
+        <p:txBody>
+          <a:bodyPr rtlCol="0" anchor="ctr"/>
+          <a:lstStyle/>
+          <a:p>
+            <a:pPr algn="ctr"/>
+            <a:r>
+              <a:rPr lang="en-US" sz="4400" dirty="0"/>
+              <a:t>1</a:t>
+            </a:r>
+            <a:endParaRPr lang="fr-FR" sz="4400" dirty="0"/>
+          </a:p>
+        </p:txBody>
+      </p:sp>
+      <p:sp>
+        <p:nvSpPr>
+          <p:cNvPr id="19" name="Rectangle 18">
+            <a:extLst>
+              <a:ext uri="{FF2B5EF4-FFF2-40B4-BE49-F238E27FC236}">
+                <a16:creationId xmlns:a16="http://schemas.microsoft.com/office/drawing/2014/main" id="{181CECCB-9FF0-4F86-B1C1-B3D884D14A1C}"/>
+              </a:ext>
+            </a:extLst>
+          </p:cNvPr>
+          <p:cNvSpPr/>
+          <p:nvPr/>
+        </p:nvSpPr>
+        <p:spPr>
+          <a:xfrm>
+            <a:off x="2453054" y="4589586"/>
+            <a:ext cx="1441939" cy="1441939"/>
+          </a:xfrm>
+          <a:prstGeom prst="rect">
+            <a:avLst/>
+          </a:prstGeom>
+        </p:spPr>
+        <p:style>
+          <a:lnRef idx="1">
+            <a:schemeClr val="accent3"/>
+          </a:lnRef>
+          <a:fillRef idx="2">
+            <a:schemeClr val="accent3"/>
+          </a:fillRef>
+          <a:effectRef idx="1">
+            <a:schemeClr val="accent3"/>
+          </a:effectRef>
+          <a:fontRef idx="minor">
+            <a:schemeClr val="dk1"/>
+          </a:fontRef>
+        </p:style>
+        <p:txBody>
+          <a:bodyPr rtlCol="0" anchor="ctr"/>
+          <a:lstStyle/>
+          <a:p>
+            <a:pPr algn="ctr"/>
+            <a:r>
+              <a:rPr lang="en-US" sz="4400" dirty="0"/>
+              <a:t>2</a:t>
+            </a:r>
+            <a:endParaRPr lang="fr-FR" sz="4400" dirty="0"/>
+          </a:p>
+        </p:txBody>
+      </p:sp>
+      <p:sp>
+        <p:nvSpPr>
+          <p:cNvPr id="20" name="Rectangle 19">
+            <a:extLst>
+              <a:ext uri="{FF2B5EF4-FFF2-40B4-BE49-F238E27FC236}">
+                <a16:creationId xmlns:a16="http://schemas.microsoft.com/office/drawing/2014/main" id="{CA0ACAD3-DADE-4162-A59C-8F35CA6229E8}"/>
+              </a:ext>
+            </a:extLst>
+          </p:cNvPr>
+          <p:cNvSpPr/>
+          <p:nvPr/>
+        </p:nvSpPr>
+        <p:spPr>
+          <a:xfrm>
+            <a:off x="3894992" y="3147647"/>
+            <a:ext cx="1441939" cy="1441939"/>
+          </a:xfrm>
+          <a:prstGeom prst="rect">
+            <a:avLst/>
+          </a:prstGeom>
+        </p:spPr>
+        <p:style>
+          <a:lnRef idx="1">
+            <a:schemeClr val="accent6"/>
+          </a:lnRef>
+          <a:fillRef idx="2">
+            <a:schemeClr val="accent6"/>
+          </a:fillRef>
+          <a:effectRef idx="1">
+            <a:schemeClr val="accent6"/>
+          </a:effectRef>
+          <a:fontRef idx="minor">
+            <a:schemeClr val="dk1"/>
+          </a:fontRef>
+        </p:style>
+        <p:txBody>
+          <a:bodyPr rtlCol="0" anchor="ctr"/>
+          <a:lstStyle/>
+          <a:p>
+            <a:pPr algn="ctr"/>
+            <a:r>
+              <a:rPr lang="en-US" sz="4400" dirty="0"/>
+              <a:t>1</a:t>
+            </a:r>
+            <a:endParaRPr lang="fr-FR" sz="4400" dirty="0"/>
+          </a:p>
+        </p:txBody>
+      </p:sp>
+      <p:sp>
+        <p:nvSpPr>
+          <p:cNvPr id="21" name="Rectangle 20">
+            <a:extLst>
+              <a:ext uri="{FF2B5EF4-FFF2-40B4-BE49-F238E27FC236}">
+                <a16:creationId xmlns:a16="http://schemas.microsoft.com/office/drawing/2014/main" id="{A70FCD2C-2164-4ADE-B3C4-475EB5185A0F}"/>
+              </a:ext>
+            </a:extLst>
+          </p:cNvPr>
+          <p:cNvSpPr/>
+          <p:nvPr/>
+        </p:nvSpPr>
+        <p:spPr>
+          <a:xfrm>
+            <a:off x="5336931" y="3147647"/>
+            <a:ext cx="1441939" cy="1441939"/>
+          </a:xfrm>
+          <a:prstGeom prst="rect">
+            <a:avLst/>
+          </a:prstGeom>
+        </p:spPr>
+        <p:style>
+          <a:lnRef idx="1">
+            <a:schemeClr val="accent6"/>
+          </a:lnRef>
+          <a:fillRef idx="2">
+            <a:schemeClr val="accent6"/>
+          </a:fillRef>
+          <a:effectRef idx="1">
+            <a:schemeClr val="accent6"/>
+          </a:effectRef>
+          <a:fontRef idx="minor">
+            <a:schemeClr val="dk1"/>
+          </a:fontRef>
+        </p:style>
+        <p:txBody>
+          <a:bodyPr rtlCol="0" anchor="ctr"/>
+          <a:lstStyle/>
+          <a:p>
+            <a:pPr algn="ctr"/>
+            <a:r>
+              <a:rPr lang="en-US" sz="4400" dirty="0"/>
+              <a:t>0</a:t>
+            </a:r>
+            <a:endParaRPr lang="fr-FR" sz="4400" dirty="0"/>
+          </a:p>
+        </p:txBody>
+      </p:sp>
+      <p:sp>
+        <p:nvSpPr>
+          <p:cNvPr id="22" name="Rectangle 21">
+            <a:extLst>
+              <a:ext uri="{FF2B5EF4-FFF2-40B4-BE49-F238E27FC236}">
+                <a16:creationId xmlns:a16="http://schemas.microsoft.com/office/drawing/2014/main" id="{E4B9FE8E-A79E-4C6A-96CA-943A370D7E86}"/>
+              </a:ext>
+            </a:extLst>
+          </p:cNvPr>
+          <p:cNvSpPr/>
+          <p:nvPr/>
+        </p:nvSpPr>
+        <p:spPr>
+          <a:xfrm>
+            <a:off x="3894991" y="4589586"/>
+            <a:ext cx="1441939" cy="1441939"/>
+          </a:xfrm>
+          <a:prstGeom prst="rect">
+            <a:avLst/>
+          </a:prstGeom>
+        </p:spPr>
+        <p:style>
+          <a:lnRef idx="1">
+            <a:schemeClr val="accent6"/>
+          </a:lnRef>
+          <a:fillRef idx="2">
+            <a:schemeClr val="accent6"/>
+          </a:fillRef>
+          <a:effectRef idx="1">
+            <a:schemeClr val="accent6"/>
+          </a:effectRef>
+          <a:fontRef idx="minor">
+            <a:schemeClr val="dk1"/>
+          </a:fontRef>
+        </p:style>
+        <p:txBody>
+          <a:bodyPr rtlCol="0" anchor="ctr"/>
+          <a:lstStyle/>
+          <a:p>
+            <a:pPr algn="ctr"/>
+            <a:r>
+              <a:rPr lang="en-US" sz="4400" dirty="0"/>
+              <a:t>2</a:t>
+            </a:r>
+            <a:endParaRPr lang="fr-FR" sz="4400" dirty="0"/>
+          </a:p>
+        </p:txBody>
+      </p:sp>
+      <p:sp>
+        <p:nvSpPr>
+          <p:cNvPr id="23" name="Rectangle 22">
+            <a:extLst>
+              <a:ext uri="{FF2B5EF4-FFF2-40B4-BE49-F238E27FC236}">
+                <a16:creationId xmlns:a16="http://schemas.microsoft.com/office/drawing/2014/main" id="{4EA5B0CD-5139-4CBB-81C4-834FD7522917}"/>
+              </a:ext>
+            </a:extLst>
+          </p:cNvPr>
+          <p:cNvSpPr/>
+          <p:nvPr/>
+        </p:nvSpPr>
+        <p:spPr>
+          <a:xfrm>
+            <a:off x="5336930" y="4589586"/>
+            <a:ext cx="1441939" cy="1441939"/>
+          </a:xfrm>
+          <a:prstGeom prst="rect">
+            <a:avLst/>
+          </a:prstGeom>
+        </p:spPr>
+        <p:style>
+          <a:lnRef idx="1">
+            <a:schemeClr val="accent6"/>
+          </a:lnRef>
+          <a:fillRef idx="2">
+            <a:schemeClr val="accent6"/>
+          </a:fillRef>
+          <a:effectRef idx="1">
+            <a:schemeClr val="accent6"/>
+          </a:effectRef>
+          <a:fontRef idx="minor">
+            <a:schemeClr val="dk1"/>
+          </a:fontRef>
+        </p:style>
+        <p:txBody>
+          <a:bodyPr rtlCol="0" anchor="ctr"/>
+          <a:lstStyle/>
+          <a:p>
+            <a:pPr algn="ctr"/>
+            <a:r>
+              <a:rPr lang="en-US" sz="4400" dirty="0"/>
+              <a:t>4</a:t>
+            </a:r>
+            <a:endParaRPr lang="fr-FR" sz="4400" dirty="0"/>
+          </a:p>
+        </p:txBody>
+      </p:sp>
+      <p:sp>
+        <p:nvSpPr>
+          <p:cNvPr id="24" name="Rectangle 23">
+            <a:extLst>
+              <a:ext uri="{FF2B5EF4-FFF2-40B4-BE49-F238E27FC236}">
+                <a16:creationId xmlns:a16="http://schemas.microsoft.com/office/drawing/2014/main" id="{23BE8248-CCE7-46AE-959A-92C322B644A5}"/>
+              </a:ext>
+            </a:extLst>
+          </p:cNvPr>
+          <p:cNvSpPr/>
+          <p:nvPr/>
+        </p:nvSpPr>
+        <p:spPr>
+          <a:xfrm>
+            <a:off x="8645769" y="1705708"/>
+            <a:ext cx="1441939" cy="1441939"/>
+          </a:xfrm>
+          <a:prstGeom prst="rect">
+            <a:avLst/>
+          </a:prstGeom>
+        </p:spPr>
+        <p:style>
+          <a:lnRef idx="1">
+            <a:schemeClr val="accent1"/>
+          </a:lnRef>
+          <a:fillRef idx="2">
+            <a:schemeClr val="accent1"/>
+          </a:fillRef>
+          <a:effectRef idx="1">
+            <a:schemeClr val="accent1"/>
+          </a:effectRef>
+          <a:fontRef idx="minor">
+            <a:schemeClr val="dk1"/>
+          </a:fontRef>
+        </p:style>
+        <p:txBody>
+          <a:bodyPr rtlCol="0" anchor="ctr"/>
+          <a:lstStyle/>
+          <a:p>
+            <a:pPr algn="ctr"/>
+            <a:r>
+              <a:rPr lang="en-US" sz="4400" dirty="0"/>
+              <a:t>6</a:t>
+            </a:r>
+            <a:endParaRPr lang="fr-FR" sz="4400" dirty="0"/>
+          </a:p>
+        </p:txBody>
+      </p:sp>
+      <p:sp>
+        <p:nvSpPr>
+          <p:cNvPr id="25" name="Rectangle 24">
+            <a:extLst>
+              <a:ext uri="{FF2B5EF4-FFF2-40B4-BE49-F238E27FC236}">
+                <a16:creationId xmlns:a16="http://schemas.microsoft.com/office/drawing/2014/main" id="{B2F191A8-9C23-40E0-9270-47D83FF7B8D4}"/>
+              </a:ext>
+            </a:extLst>
+          </p:cNvPr>
+          <p:cNvSpPr/>
+          <p:nvPr/>
+        </p:nvSpPr>
+        <p:spPr>
+          <a:xfrm>
+            <a:off x="10087708" y="1705708"/>
+            <a:ext cx="1441939" cy="1441939"/>
+          </a:xfrm>
+          <a:prstGeom prst="rect">
+            <a:avLst/>
+          </a:prstGeom>
+        </p:spPr>
+        <p:style>
+          <a:lnRef idx="1">
+            <a:schemeClr val="accent2"/>
+          </a:lnRef>
+          <a:fillRef idx="2">
+            <a:schemeClr val="accent2"/>
+          </a:fillRef>
+          <a:effectRef idx="1">
+            <a:schemeClr val="accent2"/>
+          </a:effectRef>
+          <a:fontRef idx="minor">
+            <a:schemeClr val="dk1"/>
+          </a:fontRef>
+        </p:style>
+        <p:txBody>
+          <a:bodyPr rtlCol="0" anchor="ctr"/>
+          <a:lstStyle/>
+          <a:p>
+            <a:pPr algn="ctr"/>
+            <a:r>
+              <a:rPr lang="en-US" sz="4400" dirty="0"/>
+              <a:t>8</a:t>
+            </a:r>
+            <a:endParaRPr lang="fr-FR" sz="4400" dirty="0"/>
+          </a:p>
+        </p:txBody>
+      </p:sp>
+      <p:sp>
+        <p:nvSpPr>
+          <p:cNvPr id="26" name="Rectangle 25">
+            <a:extLst>
+              <a:ext uri="{FF2B5EF4-FFF2-40B4-BE49-F238E27FC236}">
+                <a16:creationId xmlns:a16="http://schemas.microsoft.com/office/drawing/2014/main" id="{2ECBC0F0-FD8C-43EC-80C8-AC6D49DBB891}"/>
+              </a:ext>
+            </a:extLst>
+          </p:cNvPr>
+          <p:cNvSpPr/>
+          <p:nvPr/>
+        </p:nvSpPr>
+        <p:spPr>
+          <a:xfrm>
+            <a:off x="8645770" y="3147647"/>
+            <a:ext cx="1441939" cy="1441939"/>
+          </a:xfrm>
+          <a:prstGeom prst="rect">
+            <a:avLst/>
+          </a:prstGeom>
+        </p:spPr>
+        <p:style>
+          <a:lnRef idx="1">
+            <a:schemeClr val="accent3"/>
+          </a:lnRef>
+          <a:fillRef idx="2">
+            <a:schemeClr val="accent3"/>
+          </a:fillRef>
+          <a:effectRef idx="1">
+            <a:schemeClr val="accent3"/>
+          </a:effectRef>
+          <a:fontRef idx="minor">
+            <a:schemeClr val="dk1"/>
+          </a:fontRef>
+        </p:style>
+        <p:txBody>
+          <a:bodyPr rtlCol="0" anchor="ctr"/>
+          <a:lstStyle/>
+          <a:p>
+            <a:pPr algn="ctr"/>
+            <a:r>
+              <a:rPr lang="en-US" sz="4400" dirty="0"/>
+              <a:t>3</a:t>
+            </a:r>
+            <a:endParaRPr lang="fr-FR" sz="4400" dirty="0"/>
+          </a:p>
+        </p:txBody>
+      </p:sp>
+      <p:sp>
+        <p:nvSpPr>
+          <p:cNvPr id="27" name="Rectangle 26">
+            <a:extLst>
+              <a:ext uri="{FF2B5EF4-FFF2-40B4-BE49-F238E27FC236}">
+                <a16:creationId xmlns:a16="http://schemas.microsoft.com/office/drawing/2014/main" id="{1C8B4501-621E-4B39-AB57-26450723319D}"/>
+              </a:ext>
+            </a:extLst>
+          </p:cNvPr>
+          <p:cNvSpPr/>
+          <p:nvPr/>
+        </p:nvSpPr>
+        <p:spPr>
+          <a:xfrm>
+            <a:off x="10087707" y="3147647"/>
+            <a:ext cx="1441939" cy="1441939"/>
+          </a:xfrm>
+          <a:prstGeom prst="rect">
+            <a:avLst/>
+          </a:prstGeom>
+        </p:spPr>
+        <p:style>
+          <a:lnRef idx="1">
+            <a:schemeClr val="accent6"/>
+          </a:lnRef>
+          <a:fillRef idx="2">
+            <a:schemeClr val="accent6"/>
+          </a:fillRef>
+          <a:effectRef idx="1">
+            <a:schemeClr val="accent6"/>
+          </a:effectRef>
+          <a:fontRef idx="minor">
+            <a:schemeClr val="dk1"/>
+          </a:fontRef>
+        </p:style>
+        <p:txBody>
+          <a:bodyPr rtlCol="0" anchor="ctr"/>
+          <a:lstStyle/>
+          <a:p>
+            <a:pPr algn="ctr"/>
+            <a:r>
+              <a:rPr lang="en-US" sz="4400" dirty="0"/>
+              <a:t>4</a:t>
+            </a:r>
+            <a:endParaRPr lang="fr-FR" sz="4400" dirty="0"/>
+          </a:p>
+        </p:txBody>
+      </p:sp>
+      <p:sp>
+        <p:nvSpPr>
+          <p:cNvPr id="28" name="Flèche : droite 27">
+            <a:extLst>
+              <a:ext uri="{FF2B5EF4-FFF2-40B4-BE49-F238E27FC236}">
+                <a16:creationId xmlns:a16="http://schemas.microsoft.com/office/drawing/2014/main" id="{0FF6216B-227E-4D2E-AE00-ED9BAF2691BE}"/>
+              </a:ext>
+            </a:extLst>
+          </p:cNvPr>
+          <p:cNvSpPr/>
+          <p:nvPr/>
+        </p:nvSpPr>
+        <p:spPr>
+          <a:xfrm>
+            <a:off x="7344508" y="2892670"/>
+            <a:ext cx="844062" cy="509954"/>
+          </a:xfrm>
+          <a:prstGeom prst="rightArrow">
+            <a:avLst/>
+          </a:prstGeom>
+        </p:spPr>
+        <p:style>
+          <a:lnRef idx="0">
+            <a:schemeClr val="dk1"/>
+          </a:lnRef>
+          <a:fillRef idx="3">
+            <a:schemeClr val="dk1"/>
+          </a:fillRef>
+          <a:effectRef idx="3">
+            <a:schemeClr val="dk1"/>
+          </a:effectRef>
+          <a:fontRef idx="minor">
+            <a:schemeClr val="lt1"/>
+          </a:fontRef>
+        </p:style>
+        <p:txBody>
+          <a:bodyPr rtlCol="0" anchor="ctr"/>
+          <a:lstStyle/>
+          <a:p>
+            <a:pPr algn="ctr"/>
+            <a:endParaRPr lang="fr-FR"/>
+          </a:p>
+        </p:txBody>
+      </p:sp>
+    </p:spTree>
+    <p:extLst>
+      <p:ext uri="{BB962C8B-B14F-4D97-AF65-F5344CB8AC3E}">
+        <p14:creationId xmlns:p14="http://schemas.microsoft.com/office/powerpoint/2010/main" val="1203421438"/>
+      </p:ext>
+    </p:extLst>
+  </p:cSld>
+  <p:clrMapOvr>
+    <a:masterClrMapping/>
+  </p:clrMapOvr>
+</p:sld>
+</file>
+
 <file path=ppt/theme/theme1.xml><?xml version="1.0" encoding="utf-8"?>
 <a:theme xmlns:a="http://schemas.openxmlformats.org/drawingml/2006/main" name="Thème Office">
   <a:themeElements>
